--- a/돈, 일하게하라.pptx
+++ b/돈, 일하게하라.pptx
@@ -6,6 +6,10 @@
   </p:sldMasterIdLst>
   <p:sldIdLst>
     <p:sldId id="256" r:id="rId2"/>
+    <p:sldId id="257" r:id="rId3"/>
+    <p:sldId id="258" r:id="rId4"/>
+    <p:sldId id="259" r:id="rId5"/>
+    <p:sldId id="260" r:id="rId6"/>
   </p:sldIdLst>
   <p:sldSz cx="9144000" cy="6858000" type="screen4x3"/>
   <p:notesSz cx="6858000" cy="9144000"/>
@@ -104,6 +108,11 @@
       </a:defRPr>
     </a:lvl9pPr>
   </p:defaultTextStyle>
+  <p:extLst>
+    <p:ext uri="{EFAFB233-063F-42B5-8137-9DF3F51BA10A}">
+      <p15:sldGuideLst xmlns:p15="http://schemas.microsoft.com/office/powerpoint/2012/main"/>
+    </p:ext>
+  </p:extLst>
 </p:presentation>
 </file>
 
@@ -2996,10 +3005,18 @@
               <a:t>, </a:t>
             </a:r>
             <a:r>
-              <a:rPr lang="ko-KR" altLang="en-US" dirty="0" err="1"/>
+              <a:rPr lang="ko-KR" altLang="en-US" dirty="0" err="1">
+                <a:solidFill>
+                  <a:srgbClr val="FFFF00"/>
+                </a:solidFill>
+              </a:rPr>
               <a:t>일하게하라</a:t>
             </a:r>
-            <a:endParaRPr lang="ko-KR" altLang="en-US" dirty="0"/>
+            <a:endParaRPr lang="ko-KR" altLang="en-US" dirty="0">
+              <a:solidFill>
+                <a:srgbClr val="FFFF00"/>
+              </a:solidFill>
+            </a:endParaRPr>
           </a:p>
         </p:txBody>
       </p:sp>
@@ -3035,6 +3052,492 @@
     <p:extLst>
       <p:ext uri="{BB962C8B-B14F-4D97-AF65-F5344CB8AC3E}">
         <p14:creationId xmlns:p14="http://schemas.microsoft.com/office/powerpoint/2010/main" val="2652606919"/>
+      </p:ext>
+    </p:extLst>
+  </p:cSld>
+  <p:clrMapOvr>
+    <a:masterClrMapping/>
+  </p:clrMapOvr>
+</p:sld>
+</file>
+
+<file path=ppt/slides/slide2.xml><?xml version="1.0" encoding="utf-8"?>
+<p:sld xmlns:a="http://schemas.openxmlformats.org/drawingml/2006/main" xmlns:r="http://schemas.openxmlformats.org/officeDocument/2006/relationships" xmlns:p="http://schemas.openxmlformats.org/presentationml/2006/main">
+  <p:cSld>
+    <p:spTree>
+      <p:nvGrpSpPr>
+        <p:cNvPr id="1" name=""/>
+        <p:cNvGrpSpPr/>
+        <p:nvPr/>
+      </p:nvGrpSpPr>
+      <p:grpSpPr>
+        <a:xfrm>
+          <a:off x="0" y="0"/>
+          <a:ext cx="0" cy="0"/>
+          <a:chOff x="0" y="0"/>
+          <a:chExt cx="0" cy="0"/>
+        </a:xfrm>
+      </p:grpSpPr>
+      <p:sp>
+        <p:nvSpPr>
+          <p:cNvPr id="2" name="제목 1">
+            <a:extLst>
+              <a:ext uri="{FF2B5EF4-FFF2-40B4-BE49-F238E27FC236}">
+                <a16:creationId xmlns:a16="http://schemas.microsoft.com/office/drawing/2014/main" id="{F766F141-0454-4F63-B5C2-3BB5EF84673E}"/>
+              </a:ext>
+            </a:extLst>
+          </p:cNvPr>
+          <p:cNvSpPr>
+            <a:spLocks noGrp="1"/>
+          </p:cNvSpPr>
+          <p:nvPr>
+            <p:ph type="title"/>
+          </p:nvPr>
+        </p:nvSpPr>
+        <p:spPr/>
+        <p:txBody>
+          <a:bodyPr/>
+          <a:lstStyle/>
+          <a:p>
+            <a:r>
+              <a:rPr lang="ko-KR" altLang="en-US" dirty="0"/>
+              <a:t>부자를 </a:t>
+            </a:r>
+            <a:r>
+              <a:rPr lang="ko-KR" altLang="en-US" dirty="0">
+                <a:solidFill>
+                  <a:srgbClr val="FFFF00"/>
+                </a:solidFill>
+              </a:rPr>
+              <a:t>선택</a:t>
+            </a:r>
+            <a:r>
+              <a:rPr lang="ko-KR" altLang="en-US" dirty="0"/>
+              <a:t>하라 </a:t>
+            </a:r>
+          </a:p>
+        </p:txBody>
+      </p:sp>
+      <p:sp>
+        <p:nvSpPr>
+          <p:cNvPr id="3" name="내용 개체 틀 2">
+            <a:extLst>
+              <a:ext uri="{FF2B5EF4-FFF2-40B4-BE49-F238E27FC236}">
+                <a16:creationId xmlns:a16="http://schemas.microsoft.com/office/drawing/2014/main" id="{DD73C508-1988-4DEC-895B-6EA9E0C3C5AD}"/>
+              </a:ext>
+            </a:extLst>
+          </p:cNvPr>
+          <p:cNvSpPr>
+            <a:spLocks noGrp="1"/>
+          </p:cNvSpPr>
+          <p:nvPr>
+            <p:ph idx="1"/>
+          </p:nvPr>
+        </p:nvSpPr>
+        <p:spPr/>
+        <p:txBody>
+          <a:bodyPr/>
+          <a:lstStyle/>
+          <a:p>
+            <a:r>
+              <a:rPr lang="ko-KR" altLang="en-US" dirty="0"/>
+              <a:t>돈은 </a:t>
+            </a:r>
+            <a:r>
+              <a:rPr lang="ko-KR" altLang="en-US" dirty="0">
+                <a:solidFill>
+                  <a:srgbClr val="FFFF00"/>
+                </a:solidFill>
+              </a:rPr>
+              <a:t>자유의 한계</a:t>
+            </a:r>
+            <a:r>
+              <a:rPr lang="ko-KR" altLang="en-US" dirty="0"/>
+              <a:t>다</a:t>
+            </a:r>
+            <a:endParaRPr lang="en-US" altLang="ko-KR" dirty="0"/>
+          </a:p>
+          <a:p>
+            <a:r>
+              <a:rPr lang="ko-KR" altLang="en-US" dirty="0"/>
+              <a:t>돈이 일하게 하라</a:t>
+            </a:r>
+            <a:endParaRPr lang="en-US" altLang="ko-KR" dirty="0"/>
+          </a:p>
+          <a:p>
+            <a:pPr lvl="1"/>
+            <a:r>
+              <a:rPr lang="ko-KR" altLang="en-US" dirty="0"/>
+              <a:t>당신의 돈은 어디서 무엇을 하고 있는가</a:t>
+            </a:r>
+            <a:endParaRPr lang="en-US" altLang="ko-KR" dirty="0"/>
+          </a:p>
+          <a:p>
+            <a:pPr lvl="1"/>
+            <a:r>
+              <a:rPr lang="ko-KR" altLang="en-US" dirty="0"/>
+              <a:t>내가 가진 자본은 나의 일꾼이다</a:t>
+            </a:r>
+            <a:r>
+              <a:rPr lang="en-US" altLang="ko-KR" dirty="0"/>
+              <a:t>.</a:t>
+            </a:r>
+            <a:endParaRPr lang="ko-KR" altLang="en-US" dirty="0"/>
+          </a:p>
+        </p:txBody>
+      </p:sp>
+    </p:spTree>
+    <p:extLst>
+      <p:ext uri="{BB962C8B-B14F-4D97-AF65-F5344CB8AC3E}">
+        <p14:creationId xmlns:p14="http://schemas.microsoft.com/office/powerpoint/2010/main" val="3000161498"/>
+      </p:ext>
+    </p:extLst>
+  </p:cSld>
+  <p:clrMapOvr>
+    <a:masterClrMapping/>
+  </p:clrMapOvr>
+</p:sld>
+</file>
+
+<file path=ppt/slides/slide3.xml><?xml version="1.0" encoding="utf-8"?>
+<p:sld xmlns:a="http://schemas.openxmlformats.org/drawingml/2006/main" xmlns:r="http://schemas.openxmlformats.org/officeDocument/2006/relationships" xmlns:p="http://schemas.openxmlformats.org/presentationml/2006/main">
+  <p:cSld>
+    <p:spTree>
+      <p:nvGrpSpPr>
+        <p:cNvPr id="1" name=""/>
+        <p:cNvGrpSpPr/>
+        <p:nvPr/>
+      </p:nvGrpSpPr>
+      <p:grpSpPr>
+        <a:xfrm>
+          <a:off x="0" y="0"/>
+          <a:ext cx="0" cy="0"/>
+          <a:chOff x="0" y="0"/>
+          <a:chExt cx="0" cy="0"/>
+        </a:xfrm>
+      </p:grpSpPr>
+      <p:sp>
+        <p:nvSpPr>
+          <p:cNvPr id="2" name="제목 1">
+            <a:extLst>
+              <a:ext uri="{FF2B5EF4-FFF2-40B4-BE49-F238E27FC236}">
+                <a16:creationId xmlns:a16="http://schemas.microsoft.com/office/drawing/2014/main" id="{1241D5C4-B3DF-4D02-A5AE-006C06293979}"/>
+              </a:ext>
+            </a:extLst>
+          </p:cNvPr>
+          <p:cNvSpPr>
+            <a:spLocks noGrp="1"/>
+          </p:cNvSpPr>
+          <p:nvPr>
+            <p:ph type="title"/>
+          </p:nvPr>
+        </p:nvSpPr>
+        <p:spPr/>
+        <p:txBody>
+          <a:bodyPr/>
+          <a:lstStyle/>
+          <a:p>
+            <a:r>
+              <a:rPr lang="ko-KR" altLang="en-US" dirty="0"/>
+              <a:t>주식농부의 </a:t>
+            </a:r>
+            <a:r>
+              <a:rPr lang="ko-KR" altLang="en-US" dirty="0" err="1"/>
+              <a:t>농심투자</a:t>
+            </a:r>
+            <a:endParaRPr lang="ko-KR" altLang="en-US" dirty="0"/>
+          </a:p>
+        </p:txBody>
+      </p:sp>
+      <p:sp>
+        <p:nvSpPr>
+          <p:cNvPr id="3" name="내용 개체 틀 2">
+            <a:extLst>
+              <a:ext uri="{FF2B5EF4-FFF2-40B4-BE49-F238E27FC236}">
+                <a16:creationId xmlns:a16="http://schemas.microsoft.com/office/drawing/2014/main" id="{EE5A2304-9852-422F-BEE9-7D09842E09AA}"/>
+              </a:ext>
+            </a:extLst>
+          </p:cNvPr>
+          <p:cNvSpPr>
+            <a:spLocks noGrp="1"/>
+          </p:cNvSpPr>
+          <p:nvPr>
+            <p:ph idx="1"/>
+          </p:nvPr>
+        </p:nvSpPr>
+        <p:spPr/>
+        <p:txBody>
+          <a:bodyPr/>
+          <a:lstStyle/>
+          <a:p>
+            <a:r>
+              <a:rPr lang="ko-KR" altLang="en-US" dirty="0">
+                <a:solidFill>
+                  <a:srgbClr val="FFFF00"/>
+                </a:solidFill>
+              </a:rPr>
+              <a:t>원칙</a:t>
+            </a:r>
+            <a:r>
+              <a:rPr lang="ko-KR" altLang="en-US" dirty="0"/>
+              <a:t>에 의한 투자</a:t>
+            </a:r>
+            <a:endParaRPr lang="en-US" altLang="ko-KR" dirty="0"/>
+          </a:p>
+          <a:p>
+            <a:r>
+              <a:rPr lang="ko-KR" altLang="en-US" dirty="0"/>
+              <a:t>투자자도 기업가다</a:t>
+            </a:r>
+            <a:r>
+              <a:rPr lang="en-US" altLang="ko-KR" dirty="0"/>
+              <a:t>.</a:t>
+            </a:r>
+          </a:p>
+          <a:p>
+            <a:pPr lvl="1"/>
+            <a:r>
+              <a:rPr lang="ko-KR" altLang="en-US" dirty="0"/>
+              <a:t>어떤 기업과 동행할 것인가</a:t>
+            </a:r>
+          </a:p>
+        </p:txBody>
+      </p:sp>
+    </p:spTree>
+    <p:extLst>
+      <p:ext uri="{BB962C8B-B14F-4D97-AF65-F5344CB8AC3E}">
+        <p14:creationId xmlns:p14="http://schemas.microsoft.com/office/powerpoint/2010/main" val="1892545298"/>
+      </p:ext>
+    </p:extLst>
+  </p:cSld>
+  <p:clrMapOvr>
+    <a:masterClrMapping/>
+  </p:clrMapOvr>
+</p:sld>
+</file>
+
+<file path=ppt/slides/slide4.xml><?xml version="1.0" encoding="utf-8"?>
+<p:sld xmlns:a="http://schemas.openxmlformats.org/drawingml/2006/main" xmlns:r="http://schemas.openxmlformats.org/officeDocument/2006/relationships" xmlns:p="http://schemas.openxmlformats.org/presentationml/2006/main">
+  <p:cSld>
+    <p:spTree>
+      <p:nvGrpSpPr>
+        <p:cNvPr id="1" name=""/>
+        <p:cNvGrpSpPr/>
+        <p:nvPr/>
+      </p:nvGrpSpPr>
+      <p:grpSpPr>
+        <a:xfrm>
+          <a:off x="0" y="0"/>
+          <a:ext cx="0" cy="0"/>
+          <a:chOff x="0" y="0"/>
+          <a:chExt cx="0" cy="0"/>
+        </a:xfrm>
+      </p:grpSpPr>
+      <p:sp>
+        <p:nvSpPr>
+          <p:cNvPr id="2" name="제목 1">
+            <a:extLst>
+              <a:ext uri="{FF2B5EF4-FFF2-40B4-BE49-F238E27FC236}">
+                <a16:creationId xmlns:a16="http://schemas.microsoft.com/office/drawing/2014/main" id="{A8EE064E-9149-4B6C-BF14-47F58B8FF575}"/>
+              </a:ext>
+            </a:extLst>
+          </p:cNvPr>
+          <p:cNvSpPr>
+            <a:spLocks noGrp="1"/>
+          </p:cNvSpPr>
+          <p:nvPr>
+            <p:ph type="title"/>
+          </p:nvPr>
+        </p:nvSpPr>
+        <p:spPr/>
+        <p:txBody>
+          <a:bodyPr/>
+          <a:lstStyle/>
+          <a:p>
+            <a:r>
+              <a:rPr lang="ko-KR" altLang="en-US" dirty="0"/>
+              <a:t>투자 가이드</a:t>
+            </a:r>
+          </a:p>
+        </p:txBody>
+      </p:sp>
+      <p:sp>
+        <p:nvSpPr>
+          <p:cNvPr id="3" name="내용 개체 틀 2">
+            <a:extLst>
+              <a:ext uri="{FF2B5EF4-FFF2-40B4-BE49-F238E27FC236}">
+                <a16:creationId xmlns:a16="http://schemas.microsoft.com/office/drawing/2014/main" id="{AC9BC643-761F-4AB5-BB35-DAE4EBBBB7B3}"/>
+              </a:ext>
+            </a:extLst>
+          </p:cNvPr>
+          <p:cNvSpPr>
+            <a:spLocks noGrp="1"/>
+          </p:cNvSpPr>
+          <p:nvPr>
+            <p:ph idx="1"/>
+          </p:nvPr>
+        </p:nvSpPr>
+        <p:spPr/>
+        <p:txBody>
+          <a:bodyPr/>
+          <a:lstStyle/>
+          <a:p>
+            <a:r>
+              <a:rPr lang="ko-KR" altLang="en-US" dirty="0"/>
+              <a:t>시간을 내 편으로 만들어라</a:t>
+            </a:r>
+            <a:endParaRPr lang="en-US" altLang="ko-KR" dirty="0"/>
+          </a:p>
+          <a:p>
+            <a:r>
+              <a:rPr lang="ko-KR" altLang="en-US" dirty="0"/>
+              <a:t>담대할 수 있는 금액으로 시작하라</a:t>
+            </a:r>
+            <a:endParaRPr lang="en-US" altLang="ko-KR" dirty="0"/>
+          </a:p>
+          <a:p>
+            <a:r>
+              <a:rPr lang="ko-KR" altLang="en-US" dirty="0"/>
+              <a:t>언제</a:t>
+            </a:r>
+            <a:r>
+              <a:rPr lang="en-US" altLang="ko-KR" dirty="0"/>
+              <a:t>, </a:t>
+            </a:r>
+            <a:r>
+              <a:rPr lang="ko-KR" altLang="en-US" dirty="0"/>
+              <a:t>어떻게 매도할 것인가</a:t>
+            </a:r>
+            <a:r>
+              <a:rPr lang="en-US" altLang="ko-KR" dirty="0"/>
+              <a:t>?</a:t>
+            </a:r>
+          </a:p>
+          <a:p>
+            <a:pPr lvl="1"/>
+            <a:r>
+              <a:rPr lang="ko-KR" altLang="en-US" dirty="0">
+                <a:solidFill>
+                  <a:srgbClr val="FFFF00"/>
+                </a:solidFill>
+              </a:rPr>
+              <a:t>기업의 가치를 기준으로 한 적정 주가를 판단하라</a:t>
+            </a:r>
+            <a:endParaRPr lang="en-US" altLang="ko-KR" dirty="0">
+              <a:solidFill>
+                <a:srgbClr val="FFFF00"/>
+              </a:solidFill>
+            </a:endParaRPr>
+          </a:p>
+          <a:p>
+            <a:r>
+              <a:rPr lang="ko-KR" altLang="en-US" dirty="0"/>
+              <a:t>투자 수익은 원칙 실행의 결과다</a:t>
+            </a:r>
+          </a:p>
+        </p:txBody>
+      </p:sp>
+    </p:spTree>
+    <p:extLst>
+      <p:ext uri="{BB962C8B-B14F-4D97-AF65-F5344CB8AC3E}">
+        <p14:creationId xmlns:p14="http://schemas.microsoft.com/office/powerpoint/2010/main" val="169557295"/>
+      </p:ext>
+    </p:extLst>
+  </p:cSld>
+  <p:clrMapOvr>
+    <a:masterClrMapping/>
+  </p:clrMapOvr>
+</p:sld>
+</file>
+
+<file path=ppt/slides/slide5.xml><?xml version="1.0" encoding="utf-8"?>
+<p:sld xmlns:a="http://schemas.openxmlformats.org/drawingml/2006/main" xmlns:r="http://schemas.openxmlformats.org/officeDocument/2006/relationships" xmlns:p="http://schemas.openxmlformats.org/presentationml/2006/main">
+  <p:cSld>
+    <p:spTree>
+      <p:nvGrpSpPr>
+        <p:cNvPr id="1" name=""/>
+        <p:cNvGrpSpPr/>
+        <p:nvPr/>
+      </p:nvGrpSpPr>
+      <p:grpSpPr>
+        <a:xfrm>
+          <a:off x="0" y="0"/>
+          <a:ext cx="0" cy="0"/>
+          <a:chOff x="0" y="0"/>
+          <a:chExt cx="0" cy="0"/>
+        </a:xfrm>
+      </p:grpSpPr>
+      <p:sp>
+        <p:nvSpPr>
+          <p:cNvPr id="3" name="내용 개체 틀 2">
+            <a:extLst>
+              <a:ext uri="{FF2B5EF4-FFF2-40B4-BE49-F238E27FC236}">
+                <a16:creationId xmlns:a16="http://schemas.microsoft.com/office/drawing/2014/main" id="{82EC9235-539D-4CD4-AE26-5DB4A22C24D3}"/>
+              </a:ext>
+            </a:extLst>
+          </p:cNvPr>
+          <p:cNvSpPr>
+            <a:spLocks noGrp="1"/>
+          </p:cNvSpPr>
+          <p:nvPr>
+            <p:ph idx="1"/>
+          </p:nvPr>
+        </p:nvSpPr>
+        <p:spPr/>
+        <p:txBody>
+          <a:bodyPr/>
+          <a:lstStyle/>
+          <a:p>
+            <a:r>
+              <a:rPr lang="ko-KR" altLang="en-US" dirty="0"/>
+              <a:t>자본시장이 우리의 희망이다</a:t>
+            </a:r>
+            <a:r>
+              <a:rPr lang="en-US" altLang="ko-KR" dirty="0"/>
+              <a:t>.</a:t>
+            </a:r>
+          </a:p>
+          <a:p>
+            <a:r>
+              <a:rPr lang="ko-KR" altLang="en-US" dirty="0"/>
+              <a:t>주식투자로 기업의 성과를 공유하라</a:t>
+            </a:r>
+          </a:p>
+        </p:txBody>
+      </p:sp>
+      <p:sp>
+        <p:nvSpPr>
+          <p:cNvPr id="5" name="제목 4">
+            <a:extLst>
+              <a:ext uri="{FF2B5EF4-FFF2-40B4-BE49-F238E27FC236}">
+                <a16:creationId xmlns:a16="http://schemas.microsoft.com/office/drawing/2014/main" id="{6365FCBF-4912-49FE-9A58-61CF3EE8F79B}"/>
+              </a:ext>
+            </a:extLst>
+          </p:cNvPr>
+          <p:cNvSpPr>
+            <a:spLocks noGrp="1"/>
+          </p:cNvSpPr>
+          <p:nvPr>
+            <p:ph type="title"/>
+          </p:nvPr>
+        </p:nvSpPr>
+        <p:spPr/>
+        <p:txBody>
+          <a:bodyPr/>
+          <a:lstStyle/>
+          <a:p>
+            <a:r>
+              <a:rPr lang="en-US" altLang="ko-KR"/>
+              <a:t>Epilog</a:t>
+            </a:r>
+            <a:endParaRPr lang="ko-KR" altLang="en-US" dirty="0"/>
+          </a:p>
+        </p:txBody>
+      </p:sp>
+    </p:spTree>
+    <p:extLst>
+      <p:ext uri="{BB962C8B-B14F-4D97-AF65-F5344CB8AC3E}">
+        <p14:creationId xmlns:p14="http://schemas.microsoft.com/office/powerpoint/2010/main" val="55726887"/>
       </p:ext>
     </p:extLst>
   </p:cSld>
